--- a/Sony_Poster_2.pptx
+++ b/Sony_Poster_2.pptx
@@ -246,7 +246,7 @@
       <p15:sldGuideLst xmlns:p15="http://schemas.microsoft.com/office/powerpoint/2012/main"/>
     </p:ext>
     <p:ext uri="http://customooxmlschemas.google.com/">
-      <go:slidesCustomData xmlns:go="http://customooxmlschemas.google.com/" xmlns:p15="http://schemas.microsoft.com/office/powerpoint/2012/main" xmlns:p14="http://schemas.microsoft.com/office/powerpoint/2010/main" xmlns:com="http://schemas.openxmlformats.org/drawingml/2006/compatibility" xmlns:pvml="urn:schemas-microsoft-com:office:powerpoint" xmlns:v="urn:schemas-microsoft-com:vml" xmlns:o="urn:schemas-microsoft-com:office:office" xmlns:dgm="http://schemas.openxmlformats.org/drawingml/2006/diagram" xmlns:c="http://schemas.openxmlformats.org/drawingml/2006/chart" xmlns:mv="urn:schemas-microsoft-com:mac:vml" xmlns:mc="http://schemas.openxmlformats.org/markup-compatibility/2006" xmlns="" r:id="rId7" roundtripDataSignature="AMtx7mhLFngkMTy56aMr5fm2iMEFdctUjw=="/>
+      <go:slidesCustomData xmlns="" xmlns:mc="http://schemas.openxmlformats.org/markup-compatibility/2006" xmlns:mv="urn:schemas-microsoft-com:mac:vml" xmlns:c="http://schemas.openxmlformats.org/drawingml/2006/chart" xmlns:dgm="http://schemas.openxmlformats.org/drawingml/2006/diagram" xmlns:o="urn:schemas-microsoft-com:office:office" xmlns:v="urn:schemas-microsoft-com:vml" xmlns:pvml="urn:schemas-microsoft-com:office:powerpoint" xmlns:com="http://schemas.openxmlformats.org/drawingml/2006/compatibility" xmlns:p14="http://schemas.microsoft.com/office/powerpoint/2010/main" xmlns:p15="http://schemas.microsoft.com/office/powerpoint/2012/main" xmlns:go="http://customooxmlschemas.google.com/" r:id="rId7" roundtripDataSignature="AMtx7mhLFngkMTy56aMr5fm2iMEFdctUjw=="/>
     </p:ext>
   </p:extLst>
 </p:presentation>
@@ -16540,7 +16540,7 @@
         </p:blipFill>
         <p:spPr>
           <a:xfrm>
-            <a:off x="1281150" y="17535851"/>
+            <a:off x="964891" y="17573951"/>
             <a:ext cx="983834" cy="699503"/>
           </a:xfrm>
           <a:prstGeom prst="rect">
@@ -17244,16 +17244,22 @@
       </p:grpSp>
       <p:grpSp>
         <p:nvGrpSpPr>
-          <p:cNvPr id="120" name="Google Shape;120;p1"/>
+          <p:cNvPr id="4" name="Group 3">
+            <a:extLst>
+              <a:ext uri="{FF2B5EF4-FFF2-40B4-BE49-F238E27FC236}">
+                <a16:creationId xmlns:a16="http://schemas.microsoft.com/office/drawing/2014/main" id="{968621C3-4B09-47F7-A471-DD19B8662BAD}"/>
+              </a:ext>
+            </a:extLst>
+          </p:cNvPr>
           <p:cNvGrpSpPr/>
           <p:nvPr/>
         </p:nvGrpSpPr>
         <p:grpSpPr>
           <a:xfrm>
             <a:off x="17093838" y="12845602"/>
-            <a:ext cx="1667400" cy="1028021"/>
-            <a:chOff x="17770494" y="12071707"/>
-            <a:chExt cx="1667400" cy="1028021"/>
+            <a:ext cx="1667400" cy="1066121"/>
+            <a:chOff x="17093838" y="12845602"/>
+            <a:chExt cx="1667400" cy="1066121"/>
           </a:xfrm>
         </p:grpSpPr>
         <p:sp>
@@ -17264,7 +17270,7 @@
           </p:nvSpPr>
           <p:spPr>
             <a:xfrm>
-              <a:off x="17861188" y="12268731"/>
+              <a:off x="17184532" y="13080726"/>
               <a:ext cx="1534799" cy="830997"/>
             </a:xfrm>
             <a:prstGeom prst="rect">
@@ -17330,7 +17336,7 @@
           </p:nvSpPr>
           <p:spPr>
             <a:xfrm>
-              <a:off x="17770494" y="12071707"/>
+              <a:off x="17093838" y="12845602"/>
               <a:ext cx="1667400" cy="1015800"/>
             </a:xfrm>
             <a:prstGeom prst="ellipse">
@@ -19581,7 +19587,7 @@
                 <a:cs typeface="Calibri"/>
                 <a:sym typeface="Calibri"/>
               </a:rPr>
-              <a:t>Difficult to discern relationship between social media activity and engagement by visual exploration</a:t>
+              <a:t>Difficult to visually discern relationship between social media activity and engagement</a:t>
             </a:r>
             <a:endParaRPr sz="2600" dirty="0">
               <a:solidFill>
@@ -19993,7 +19999,7 @@
         </p:nvSpPr>
         <p:spPr>
           <a:xfrm>
-            <a:off x="20639355" y="4333722"/>
+            <a:off x="20547915" y="4326102"/>
             <a:ext cx="3742876" cy="1318166"/>
           </a:xfrm>
           <a:prstGeom prst="rect">
@@ -20045,7 +20051,7 @@
         </p:nvSpPr>
         <p:spPr>
           <a:xfrm>
-            <a:off x="20639355" y="5920641"/>
+            <a:off x="20547915" y="5913021"/>
             <a:ext cx="3742876" cy="1015500"/>
           </a:xfrm>
           <a:prstGeom prst="rect">
@@ -20097,7 +20103,7 @@
         </p:nvSpPr>
         <p:spPr>
           <a:xfrm>
-            <a:off x="20639355" y="7245712"/>
+            <a:off x="20547915" y="7238092"/>
             <a:ext cx="3742876" cy="1015500"/>
           </a:xfrm>
           <a:prstGeom prst="rect">
@@ -20156,8 +20162,8 @@
         </p:blipFill>
         <p:spPr>
           <a:xfrm>
-            <a:off x="26857848" y="3613756"/>
-            <a:ext cx="595096" cy="601775"/>
+            <a:off x="27010248" y="3692812"/>
+            <a:ext cx="417700" cy="389369"/>
           </a:xfrm>
           <a:prstGeom prst="rect">
             <a:avLst/>
@@ -20368,7 +20374,7 @@
                 <a:cs typeface="Calibri"/>
                 <a:sym typeface="Calibri"/>
               </a:rPr>
-              <a:t> Regression with 300 estimators and 9 max depth, getting 0.58 R</a:t>
+              <a:t> Regression with 300 estimators and 9 max depth results in 0.58 R</a:t>
             </a:r>
             <a:r>
               <a:rPr lang="en-US" sz="2600" baseline="30000" dirty="0">
@@ -20451,7 +20457,7 @@
         </p:nvSpPr>
         <p:spPr>
           <a:xfrm>
-            <a:off x="20597670" y="3603219"/>
+            <a:off x="20597670" y="3581445"/>
             <a:ext cx="3742869" cy="554100"/>
           </a:xfrm>
           <a:prstGeom prst="rect">
@@ -20621,7 +20627,7 @@
                 <a:cs typeface="Calibri"/>
                 <a:sym typeface="Calibri"/>
               </a:rPr>
-              <a:t>Predict artist success on music streaming platforms based on social media activity across various platforms.</a:t>
+              <a:t>Predict artist success on music streaming services based on social media activity across various platforms.</a:t>
             </a:r>
           </a:p>
           <a:p>
@@ -20899,7 +20905,7 @@
         </p:nvCxnSpPr>
         <p:spPr>
           <a:xfrm>
-            <a:off x="22510793" y="5627825"/>
+            <a:off x="22419353" y="5620205"/>
             <a:ext cx="0" cy="365005"/>
           </a:xfrm>
           <a:prstGeom prst="straightConnector1">
@@ -20940,7 +20946,7 @@
         </p:nvCxnSpPr>
         <p:spPr>
           <a:xfrm>
-            <a:off x="22510793" y="6888015"/>
+            <a:off x="22419353" y="6880395"/>
             <a:ext cx="0" cy="357697"/>
           </a:xfrm>
           <a:prstGeom prst="straightConnector1">
@@ -21205,8 +21211,8 @@
         </p:nvSpPr>
         <p:spPr>
           <a:xfrm>
-            <a:off x="25001429" y="4320262"/>
-            <a:ext cx="6951229" cy="3845083"/>
+            <a:off x="25001429" y="4147558"/>
+            <a:ext cx="6951229" cy="4147674"/>
           </a:xfrm>
           <a:prstGeom prst="roundRect">
             <a:avLst>
